--- a/Documentacao/ModelagemSistema_TemplateInicial.pptx
+++ b/Documentacao/ModelagemSistema_TemplateInicial.pptx
@@ -222,7 +222,7 @@
           <a:p>
             <a:fld id="{93DDA81E-B6DD-4CA0-9C2D-B0C27B95DC2C}" type="datetimeFigureOut">
               <a:rPr lang="pt-BR" smtClean="0"/>
-              <a:t>31/01/2025</a:t>
+              <a:t>14/02/2025</a:t>
             </a:fld>
             <a:endParaRPr lang="pt-BR"/>
           </a:p>
@@ -3228,7 +3228,7 @@
           <a:p>
             <a:fld id="{C128FA71-3A18-48C0-980F-4B68F7F63042}" type="datetime1">
               <a:rPr lang="en-US" smtClean="0"/>
-              <a:t>1/31/2025</a:t>
+              <a:t>2/14/2025</a:t>
             </a:fld>
             <a:endParaRPr lang="en-US"/>
           </a:p>
@@ -3436,7 +3436,7 @@
           <a:p>
             <a:fld id="{7104EDB3-C0E8-45F8-9E1D-1B6C8D1880C0}" type="datetime1">
               <a:rPr lang="en-US" smtClean="0"/>
-              <a:t>1/31/2025</a:t>
+              <a:t>2/14/2025</a:t>
             </a:fld>
             <a:endParaRPr lang="en-US"/>
           </a:p>
@@ -3646,7 +3646,7 @@
           <a:p>
             <a:fld id="{9CF0EC4B-54ED-4041-B552-9BA760FA3DBA}" type="datetime1">
               <a:rPr lang="en-US" smtClean="0"/>
-              <a:t>1/31/2025</a:t>
+              <a:t>2/14/2025</a:t>
             </a:fld>
             <a:endParaRPr lang="en-US"/>
           </a:p>
@@ -3844,7 +3844,7 @@
           <a:p>
             <a:fld id="{51C1210E-201E-4473-82AC-2466F5386C38}" type="datetime1">
               <a:rPr lang="en-US" smtClean="0"/>
-              <a:t>1/31/2025</a:t>
+              <a:t>2/14/2025</a:t>
             </a:fld>
             <a:endParaRPr lang="en-US"/>
           </a:p>
@@ -4122,7 +4122,7 @@
           <a:p>
             <a:fld id="{B01EA198-6CAB-4B8F-B93F-1F9C8C4B6CE7}" type="datetime1">
               <a:rPr lang="en-US" smtClean="0"/>
-              <a:t>1/31/2025</a:t>
+              <a:t>2/14/2025</a:t>
             </a:fld>
             <a:endParaRPr lang="en-US"/>
           </a:p>
@@ -4394,7 +4394,7 @@
           <a:p>
             <a:fld id="{CA06041F-4525-44D5-AA4F-332294BF1F56}" type="datetime1">
               <a:rPr lang="en-US" smtClean="0"/>
-              <a:t>1/31/2025</a:t>
+              <a:t>2/14/2025</a:t>
             </a:fld>
             <a:endParaRPr lang="en-US"/>
           </a:p>
@@ -4818,7 +4818,7 @@
           <a:p>
             <a:fld id="{F9557091-BBDF-4EB9-BA6B-2BB67AC4FC0F}" type="datetime1">
               <a:rPr lang="en-US" smtClean="0"/>
-              <a:t>1/31/2025</a:t>
+              <a:t>2/14/2025</a:t>
             </a:fld>
             <a:endParaRPr lang="en-US"/>
           </a:p>
@@ -4959,7 +4959,7 @@
           <a:p>
             <a:fld id="{2D6B226B-77A6-410C-9796-083F278E0125}" type="datetime1">
               <a:rPr lang="en-US" smtClean="0"/>
-              <a:t>1/31/2025</a:t>
+              <a:t>2/14/2025</a:t>
             </a:fld>
             <a:endParaRPr lang="en-US"/>
           </a:p>
@@ -5072,7 +5072,7 @@
           <a:p>
             <a:fld id="{A23A578B-D289-4C40-8593-3D356C49DA58}" type="datetime1">
               <a:rPr lang="en-US" smtClean="0"/>
-              <a:t>1/31/2025</a:t>
+              <a:t>2/14/2025</a:t>
             </a:fld>
             <a:endParaRPr lang="en-US"/>
           </a:p>
@@ -5391,7 +5391,7 @@
           <a:p>
             <a:fld id="{713DFAE3-14DB-48A7-A80F-80DDB072CE3D}" type="datetime1">
               <a:rPr lang="en-US" smtClean="0"/>
-              <a:t>1/31/2025</a:t>
+              <a:t>2/14/2025</a:t>
             </a:fld>
             <a:endParaRPr lang="en-US"/>
           </a:p>
@@ -5685,7 +5685,7 @@
           <a:p>
             <a:fld id="{92C5EAEF-6478-4102-8F5D-A5FE9FC97ACB}" type="datetime1">
               <a:rPr lang="en-US" smtClean="0"/>
-              <a:t>1/31/2025</a:t>
+              <a:t>2/14/2025</a:t>
             </a:fld>
             <a:endParaRPr lang="en-US"/>
           </a:p>
@@ -5926,7 +5926,7 @@
           <a:p>
             <a:fld id="{67F45AC6-C491-4585-A584-9CE2AF7D5500}" type="datetime1">
               <a:rPr lang="en-US" smtClean="0"/>
-              <a:t>1/31/2025</a:t>
+              <a:t>2/14/2025</a:t>
             </a:fld>
             <a:endParaRPr lang="en-US"/>
           </a:p>
@@ -6356,7 +6356,7 @@
                 <a16:creationId xmlns:a16="http://schemas.microsoft.com/office/drawing/2014/main" id="{6E448DB1-4196-18A6-15DA-C72635C1B11E}"/>
               </a:ext>
               <a:ext uri="{C183D7F6-B498-43B3-948B-1728B52AA6E4}">
-                <adec:decorative xmlns:adec="http://schemas.microsoft.com/office/drawing/2017/decorative" xmlns="" val="1"/>
+                <adec:decorative xmlns="" xmlns:adec="http://schemas.microsoft.com/office/drawing/2017/decorative" val="1"/>
               </a:ext>
             </a:extLst>
           </p:cNvPr>
@@ -6464,7 +6464,7 @@
                 <a16:creationId xmlns:a16="http://schemas.microsoft.com/office/drawing/2014/main" id="{76A10D8F-D463-70E5-239B-17AD65EF433D}"/>
               </a:ext>
               <a:ext uri="{C183D7F6-B498-43B3-948B-1728B52AA6E4}">
-                <adec:decorative xmlns:adec="http://schemas.microsoft.com/office/drawing/2017/decorative" xmlns="" val="1"/>
+                <adec:decorative xmlns="" xmlns:adec="http://schemas.microsoft.com/office/drawing/2017/decorative" val="1"/>
               </a:ext>
             </a:extLst>
           </p:cNvPr>
@@ -6926,7 +6926,7 @@
                 <a16:creationId xmlns:a16="http://schemas.microsoft.com/office/drawing/2014/main" id="{74EA76C7-8C08-E029-0E79-750B71C94A62}"/>
               </a:ext>
               <a:ext uri="{C183D7F6-B498-43B3-948B-1728B52AA6E4}">
-                <adec:decorative xmlns:adec="http://schemas.microsoft.com/office/drawing/2017/decorative" xmlns="" val="1"/>
+                <adec:decorative xmlns="" xmlns:adec="http://schemas.microsoft.com/office/drawing/2017/decorative" val="1"/>
               </a:ext>
             </a:extLst>
           </p:cNvPr>
@@ -7065,7 +7065,7 @@
             <p:ph sz="half" idx="2"/>
             <p:extLst>
               <p:ext uri="{E7BDC344-281C-4309-B0C6-D0EE65EED2A8}">
-                <p202:designPr xmlns:p202="http://schemas.microsoft.com/office/powerpoint/2020/02/main" xmlns="">
+                <p202:designPr xmlns="" xmlns:p202="http://schemas.microsoft.com/office/powerpoint/2020/02/main">
                   <p202:designTagLst>
                     <p202:designTag name="ARCH:1:CLS" val="InformationBlock"/>
                     <p202:designTag name="ARCH:1:VSVAR" val="TitledTextBox"/>
@@ -7361,7 +7361,7 @@
                 <a16:creationId xmlns:a16="http://schemas.microsoft.com/office/drawing/2014/main" id="{74EA76C7-8C08-E029-0E79-750B71C94A62}"/>
               </a:ext>
               <a:ext uri="{C183D7F6-B498-43B3-948B-1728B52AA6E4}">
-                <adec:decorative xmlns:adec="http://schemas.microsoft.com/office/drawing/2017/decorative" xmlns="" val="1"/>
+                <adec:decorative xmlns="" xmlns:adec="http://schemas.microsoft.com/office/drawing/2017/decorative" val="1"/>
               </a:ext>
             </a:extLst>
           </p:cNvPr>
@@ -8038,7 +8038,7 @@
                 <a16:creationId xmlns:a16="http://schemas.microsoft.com/office/drawing/2014/main" id="{5E8D3B17-7638-DFD3-18E4-8A6D611749CF}"/>
               </a:ext>
               <a:ext uri="{C183D7F6-B498-43B3-948B-1728B52AA6E4}">
-                <adec:decorative xmlns:adec="http://schemas.microsoft.com/office/drawing/2017/decorative" xmlns="" val="1"/>
+                <adec:decorative xmlns="" xmlns:adec="http://schemas.microsoft.com/office/drawing/2017/decorative" val="1"/>
               </a:ext>
             </a:extLst>
           </p:cNvPr>
@@ -9317,7 +9317,7 @@
                 <a16:creationId xmlns:a16="http://schemas.microsoft.com/office/drawing/2014/main" id="{B8ADE68D-5E75-5D63-4B8C-6BEFCE9D06E3}"/>
               </a:ext>
               <a:ext uri="{C183D7F6-B498-43B3-948B-1728B52AA6E4}">
-                <adec:decorative xmlns:adec="http://schemas.microsoft.com/office/drawing/2017/decorative" xmlns="" val="1"/>
+                <adec:decorative xmlns="" xmlns:adec="http://schemas.microsoft.com/office/drawing/2017/decorative" val="1"/>
               </a:ext>
             </a:extLst>
           </p:cNvPr>
@@ -10619,7 +10619,7 @@
                 <a16:creationId xmlns:a16="http://schemas.microsoft.com/office/drawing/2014/main" id="{8450EF29-A29A-9417-2B09-074C04064425}"/>
               </a:ext>
               <a:ext uri="{C183D7F6-B498-43B3-948B-1728B52AA6E4}">
-                <adec:decorative xmlns:adec="http://schemas.microsoft.com/office/drawing/2017/decorative" xmlns="" val="1"/>
+                <adec:decorative xmlns="" xmlns:adec="http://schemas.microsoft.com/office/drawing/2017/decorative" val="1"/>
               </a:ext>
             </a:extLst>
           </p:cNvPr>
@@ -10771,14 +10771,14 @@
             <p:ph sz="half" idx="2"/>
             <p:extLst>
               <p:ext uri="{D42A27DB-BD31-4B8C-83A1-F6EECF244321}">
-                <p14:modId xmlns:p14="http://schemas.microsoft.com/office/powerpoint/2010/main" val="3102003278"/>
+                <p14:modId xmlns:p14="http://schemas.microsoft.com/office/powerpoint/2010/main" val="820317859"/>
               </p:ext>
             </p:extLst>
           </p:nvPr>
         </p:nvGraphicFramePr>
         <p:xfrm>
           <a:off x="566670" y="2250628"/>
-          <a:ext cx="10071279" cy="2966720"/>
+          <a:ext cx="10071279" cy="2595880"/>
         </p:xfrm>
         <a:graphic>
           <a:graphicData uri="http://schemas.openxmlformats.org/drawingml/2006/table">
@@ -10863,7 +10863,7 @@
                     <a:p>
                       <a:r>
                         <a:rPr lang="pt-BR" dirty="0" err="1" smtClean="0"/>
-                        <a:t>IdProduto</a:t>
+                        <a:t>IdProd</a:t>
                       </a:r>
                       <a:endParaRPr lang="pt-BR" dirty="0"/>
                     </a:p>
@@ -10911,7 +10911,7 @@
                     <a:p>
                       <a:r>
                         <a:rPr lang="pt-BR" dirty="0" err="1" smtClean="0"/>
-                        <a:t>Descricao</a:t>
+                        <a:t>DescProd</a:t>
                       </a:r>
                       <a:endParaRPr lang="pt-BR" dirty="0"/>
                     </a:p>
@@ -11061,56 +11061,7 @@
                     <a:p>
                       <a:r>
                         <a:rPr lang="pt-BR" dirty="0" err="1" smtClean="0"/>
-                        <a:t>IdItenEntrada</a:t>
-                      </a:r>
-                      <a:endParaRPr lang="pt-BR" dirty="0"/>
-                    </a:p>
-                  </a:txBody>
-                  <a:tcPr/>
-                </a:tc>
-                <a:tc>
-                  <a:txBody>
-                    <a:bodyPr/>
-                    <a:lstStyle/>
-                    <a:p>
-                      <a:r>
-                        <a:rPr lang="pt-BR" dirty="0" err="1" smtClean="0"/>
-                        <a:t>int</a:t>
-                      </a:r>
-                      <a:endParaRPr lang="pt-BR" dirty="0"/>
-                    </a:p>
-                  </a:txBody>
-                  <a:tcPr/>
-                </a:tc>
-                <a:tc>
-                  <a:txBody>
-                    <a:bodyPr/>
-                    <a:lstStyle/>
-                    <a:p>
-                      <a:r>
-                        <a:rPr lang="pt-BR" dirty="0" smtClean="0"/>
-                        <a:t>Chave Estrangeira</a:t>
-                      </a:r>
-                      <a:endParaRPr lang="pt-BR" dirty="0"/>
-                    </a:p>
-                  </a:txBody>
-                  <a:tcPr/>
-                </a:tc>
-                <a:extLst>
-                  <a:ext uri="{0D108BD9-81ED-4DB2-BD59-A6C34878D82A}">
-                    <a16:rowId xmlns:a16="http://schemas.microsoft.com/office/drawing/2014/main" val="1929395480"/>
-                  </a:ext>
-                </a:extLst>
-              </a:tr>
-              <a:tr h="370840">
-                <a:tc>
-                  <a:txBody>
-                    <a:bodyPr/>
-                    <a:lstStyle/>
-                    <a:p>
-                      <a:r>
-                        <a:rPr lang="pt-BR" dirty="0" err="1" smtClean="0"/>
-                        <a:t>IdCategoria</a:t>
+                        <a:t>IdCat</a:t>
                       </a:r>
                       <a:endParaRPr lang="pt-BR" dirty="0"/>
                     </a:p>
@@ -11137,8 +11088,8 @@
                     <a:lstStyle/>
                     <a:p>
                       <a:r>
-                        <a:rPr lang="pt-BR" dirty="0" smtClean="0"/>
-                        <a:t>Chave Estrangeira</a:t>
+                        <a:rPr lang="pt-BR" dirty="0" err="1" smtClean="0"/>
+                        <a:t>Fk</a:t>
                       </a:r>
                       <a:endParaRPr lang="pt-BR" dirty="0"/>
                     </a:p>
@@ -11147,7 +11098,7 @@
                 </a:tc>
                 <a:extLst>
                   <a:ext uri="{0D108BD9-81ED-4DB2-BD59-A6C34878D82A}">
-                    <a16:rowId xmlns:a16="http://schemas.microsoft.com/office/drawing/2014/main" val="2940149528"/>
+                    <a16:rowId xmlns:a16="http://schemas.microsoft.com/office/drawing/2014/main" val="1116382274"/>
                   </a:ext>
                 </a:extLst>
               </a:tr>
@@ -11159,7 +11110,7 @@
                     <a:p>
                       <a:r>
                         <a:rPr lang="pt-BR" dirty="0" err="1" smtClean="0"/>
-                        <a:t>ValorProd</a:t>
+                        <a:t>EPermanente</a:t>
                       </a:r>
                       <a:endParaRPr lang="pt-BR" dirty="0"/>
                     </a:p>
@@ -11173,7 +11124,7 @@
                     <a:p>
                       <a:r>
                         <a:rPr lang="pt-BR" dirty="0" err="1" smtClean="0"/>
-                        <a:t>double</a:t>
+                        <a:t>bool</a:t>
                       </a:r>
                       <a:endParaRPr lang="pt-BR" dirty="0"/>
                     </a:p>
@@ -11192,7 +11143,7 @@
                 </a:tc>
                 <a:extLst>
                   <a:ext uri="{0D108BD9-81ED-4DB2-BD59-A6C34878D82A}">
-                    <a16:rowId xmlns:a16="http://schemas.microsoft.com/office/drawing/2014/main" val="1116382274"/>
+                    <a16:rowId xmlns:a16="http://schemas.microsoft.com/office/drawing/2014/main" val="1072235614"/>
                   </a:ext>
                 </a:extLst>
               </a:tr>
@@ -11324,7 +11275,7 @@
                 <a16:creationId xmlns:a16="http://schemas.microsoft.com/office/drawing/2014/main" id="{8450EF29-A29A-9417-2B09-074C04064425}"/>
               </a:ext>
               <a:ext uri="{C183D7F6-B498-43B3-948B-1728B52AA6E4}">
-                <adec:decorative xmlns:adec="http://schemas.microsoft.com/office/drawing/2017/decorative" xmlns="" val="1"/>
+                <adec:decorative xmlns="" xmlns:adec="http://schemas.microsoft.com/office/drawing/2017/decorative" val="1"/>
               </a:ext>
             </a:extLst>
           </p:cNvPr>
@@ -11476,7 +11427,7 @@
             <p:ph sz="half" idx="2"/>
             <p:extLst>
               <p:ext uri="{D42A27DB-BD31-4B8C-83A1-F6EECF244321}">
-                <p14:modId xmlns:p14="http://schemas.microsoft.com/office/powerpoint/2010/main" val="187577252"/>
+                <p14:modId xmlns:p14="http://schemas.microsoft.com/office/powerpoint/2010/main" val="947003117"/>
               </p:ext>
             </p:extLst>
           </p:nvPr>
@@ -11568,7 +11519,7 @@
                     <a:p>
                       <a:r>
                         <a:rPr lang="pt-BR" dirty="0" err="1" smtClean="0"/>
-                        <a:t>IdCategoria</a:t>
+                        <a:t>IdCat</a:t>
                       </a:r>
                       <a:endParaRPr lang="pt-BR" dirty="0"/>
                     </a:p>
@@ -11981,7 +11932,7 @@
                 <a16:creationId xmlns:a16="http://schemas.microsoft.com/office/drawing/2014/main" id="{8450EF29-A29A-9417-2B09-074C04064425}"/>
               </a:ext>
               <a:ext uri="{C183D7F6-B498-43B3-948B-1728B52AA6E4}">
-                <adec:decorative xmlns:adec="http://schemas.microsoft.com/office/drawing/2017/decorative" xmlns="" val="1"/>
+                <adec:decorative xmlns="" xmlns:adec="http://schemas.microsoft.com/office/drawing/2017/decorative" val="1"/>
               </a:ext>
             </a:extLst>
           </p:cNvPr>
@@ -12133,14 +12084,14 @@
             <p:ph sz="half" idx="2"/>
             <p:extLst>
               <p:ext uri="{D42A27DB-BD31-4B8C-83A1-F6EECF244321}">
-                <p14:modId xmlns:p14="http://schemas.microsoft.com/office/powerpoint/2010/main" val="1132297019"/>
+                <p14:modId xmlns:p14="http://schemas.microsoft.com/office/powerpoint/2010/main" val="1842666900"/>
               </p:ext>
             </p:extLst>
           </p:nvPr>
         </p:nvGraphicFramePr>
         <p:xfrm>
           <a:off x="566670" y="2250628"/>
-          <a:ext cx="10071279" cy="2966720"/>
+          <a:ext cx="10071279" cy="3337560"/>
         </p:xfrm>
         <a:graphic>
           <a:graphicData uri="http://schemas.openxmlformats.org/drawingml/2006/table">
@@ -12321,12 +12272,8 @@
                     <a:lstStyle/>
                     <a:p>
                       <a:r>
-                        <a:rPr lang="pt-BR" dirty="0" smtClean="0"/>
+                        <a:rPr lang="pt-BR" dirty="0" err="1" smtClean="0"/>
                         <a:t>Endereço</a:t>
-                      </a:r>
-                      <a:r>
-                        <a:rPr lang="pt-BR" baseline="0" dirty="0" smtClean="0"/>
-                        <a:t> </a:t>
                       </a:r>
                       <a:r>
                         <a:rPr lang="pt-BR" baseline="0" dirty="0" err="1" smtClean="0"/>
@@ -12377,6 +12324,10 @@
                     <a:bodyPr/>
                     <a:lstStyle/>
                     <a:p>
+                      <a:r>
+                        <a:rPr lang="pt-BR" dirty="0" smtClean="0"/>
+                        <a:t>Bairro</a:t>
+                      </a:r>
                       <a:endParaRPr lang="pt-BR" dirty="0"/>
                     </a:p>
                   </a:txBody>
@@ -12387,6 +12338,14 @@
                     <a:bodyPr/>
                     <a:lstStyle/>
                     <a:p>
+                      <a:r>
+                        <a:rPr lang="pt-BR" dirty="0" err="1" smtClean="0"/>
+                        <a:t>Varchar</a:t>
+                      </a:r>
+                      <a:r>
+                        <a:rPr lang="pt-BR" dirty="0" smtClean="0"/>
+                        <a:t>(100)</a:t>
+                      </a:r>
                       <a:endParaRPr lang="pt-BR" dirty="0"/>
                     </a:p>
                   </a:txBody>
@@ -12414,6 +12373,10 @@
                     <a:bodyPr/>
                     <a:lstStyle/>
                     <a:p>
+                      <a:r>
+                        <a:rPr lang="pt-BR" dirty="0" smtClean="0"/>
+                        <a:t>Cidade</a:t>
+                      </a:r>
                       <a:endParaRPr lang="pt-BR" dirty="0"/>
                     </a:p>
                   </a:txBody>
@@ -12424,6 +12387,14 @@
                     <a:bodyPr/>
                     <a:lstStyle/>
                     <a:p>
+                      <a:r>
+                        <a:rPr lang="pt-BR" dirty="0" err="1" smtClean="0"/>
+                        <a:t>Varchar</a:t>
+                      </a:r>
+                      <a:r>
+                        <a:rPr lang="pt-BR" dirty="0" smtClean="0"/>
+                        <a:t>(100)</a:t>
+                      </a:r>
                       <a:endParaRPr lang="pt-BR" dirty="0"/>
                     </a:p>
                   </a:txBody>
@@ -12451,6 +12422,10 @@
                     <a:bodyPr/>
                     <a:lstStyle/>
                     <a:p>
+                      <a:r>
+                        <a:rPr lang="pt-BR" dirty="0" smtClean="0"/>
+                        <a:t>Estado</a:t>
+                      </a:r>
                       <a:endParaRPr lang="pt-BR" dirty="0"/>
                     </a:p>
                   </a:txBody>
@@ -12461,6 +12436,14 @@
                     <a:bodyPr/>
                     <a:lstStyle/>
                     <a:p>
+                      <a:r>
+                        <a:rPr lang="pt-BR" dirty="0" err="1" smtClean="0"/>
+                        <a:t>Varchar</a:t>
+                      </a:r>
+                      <a:r>
+                        <a:rPr lang="pt-BR" dirty="0" smtClean="0"/>
+                        <a:t>(100)</a:t>
+                      </a:r>
                       <a:endParaRPr lang="pt-BR" dirty="0"/>
                     </a:p>
                   </a:txBody>
@@ -12488,6 +12471,10 @@
                     <a:bodyPr/>
                     <a:lstStyle/>
                     <a:p>
+                      <a:r>
+                        <a:rPr lang="pt-BR" dirty="0" smtClean="0"/>
+                        <a:t>Telefone</a:t>
+                      </a:r>
                       <a:endParaRPr lang="pt-BR" dirty="0"/>
                     </a:p>
                   </a:txBody>
@@ -12498,6 +12485,14 @@
                     <a:bodyPr/>
                     <a:lstStyle/>
                     <a:p>
+                      <a:r>
+                        <a:rPr lang="pt-BR" dirty="0" err="1" smtClean="0"/>
+                        <a:t>Varchar</a:t>
+                      </a:r>
+                      <a:r>
+                        <a:rPr lang="pt-BR" dirty="0" smtClean="0"/>
+                        <a:t>(100)</a:t>
+                      </a:r>
                       <a:endParaRPr lang="pt-BR" dirty="0"/>
                     </a:p>
                   </a:txBody>
@@ -12516,6 +12511,55 @@
                 <a:extLst>
                   <a:ext uri="{0D108BD9-81ED-4DB2-BD59-A6C34878D82A}">
                     <a16:rowId xmlns:a16="http://schemas.microsoft.com/office/drawing/2014/main" val="1116382274"/>
+                  </a:ext>
+                </a:extLst>
+              </a:tr>
+              <a:tr h="370840">
+                <a:tc>
+                  <a:txBody>
+                    <a:bodyPr/>
+                    <a:lstStyle/>
+                    <a:p>
+                      <a:r>
+                        <a:rPr lang="pt-BR" dirty="0" smtClean="0"/>
+                        <a:t>CNPJ</a:t>
+                      </a:r>
+                      <a:endParaRPr lang="pt-BR" dirty="0"/>
+                    </a:p>
+                  </a:txBody>
+                  <a:tcPr/>
+                </a:tc>
+                <a:tc>
+                  <a:txBody>
+                    <a:bodyPr/>
+                    <a:lstStyle/>
+                    <a:p>
+                      <a:r>
+                        <a:rPr lang="pt-BR" dirty="0" err="1" smtClean="0"/>
+                        <a:t>Varchar</a:t>
+                      </a:r>
+                      <a:r>
+                        <a:rPr lang="pt-BR" dirty="0" smtClean="0"/>
+                        <a:t>(100)</a:t>
+                      </a:r>
+                      <a:endParaRPr lang="pt-BR" dirty="0"/>
+                    </a:p>
+                  </a:txBody>
+                  <a:tcPr/>
+                </a:tc>
+                <a:tc>
+                  <a:txBody>
+                    <a:bodyPr/>
+                    <a:lstStyle/>
+                    <a:p>
+                      <a:endParaRPr lang="pt-BR" dirty="0"/>
+                    </a:p>
+                  </a:txBody>
+                  <a:tcPr/>
+                </a:tc>
+                <a:extLst>
+                  <a:ext uri="{0D108BD9-81ED-4DB2-BD59-A6C34878D82A}">
+                    <a16:rowId xmlns:a16="http://schemas.microsoft.com/office/drawing/2014/main" val="508721869"/>
                   </a:ext>
                 </a:extLst>
               </a:tr>
@@ -12658,7 +12702,7 @@
                 <a16:creationId xmlns:a16="http://schemas.microsoft.com/office/drawing/2014/main" id="{8450EF29-A29A-9417-2B09-074C04064425}"/>
               </a:ext>
               <a:ext uri="{C183D7F6-B498-43B3-948B-1728B52AA6E4}">
-                <adec:decorative xmlns:adec="http://schemas.microsoft.com/office/drawing/2017/decorative" xmlns="" val="1"/>
+                <adec:decorative xmlns="" xmlns:adec="http://schemas.microsoft.com/office/drawing/2017/decorative" val="1"/>
               </a:ext>
             </a:extLst>
           </p:cNvPr>
@@ -12810,14 +12854,14 @@
             <p:ph sz="half" idx="2"/>
             <p:extLst>
               <p:ext uri="{D42A27DB-BD31-4B8C-83A1-F6EECF244321}">
-                <p14:modId xmlns:p14="http://schemas.microsoft.com/office/powerpoint/2010/main" val="508165462"/>
+                <p14:modId xmlns:p14="http://schemas.microsoft.com/office/powerpoint/2010/main" val="2290442535"/>
               </p:ext>
             </p:extLst>
           </p:nvPr>
         </p:nvGraphicFramePr>
         <p:xfrm>
           <a:off x="566670" y="2250628"/>
-          <a:ext cx="10071279" cy="2966720"/>
+          <a:ext cx="10071279" cy="3337560"/>
         </p:xfrm>
         <a:graphic>
           <a:graphicData uri="http://schemas.openxmlformats.org/drawingml/2006/table">
@@ -12997,6 +13041,14 @@
                     <a:bodyPr/>
                     <a:lstStyle/>
                     <a:p>
+                      <a:r>
+                        <a:rPr lang="pt-BR" dirty="0" err="1" smtClean="0"/>
+                        <a:t>Endereço</a:t>
+                      </a:r>
+                      <a:r>
+                        <a:rPr lang="pt-BR" baseline="0" dirty="0" err="1" smtClean="0"/>
+                        <a:t>Sec</a:t>
+                      </a:r>
                       <a:endParaRPr lang="pt-BR" dirty="0"/>
                     </a:p>
                   </a:txBody>
@@ -13007,6 +13059,14 @@
                     <a:bodyPr/>
                     <a:lstStyle/>
                     <a:p>
+                      <a:r>
+                        <a:rPr lang="pt-BR" dirty="0" err="1" smtClean="0"/>
+                        <a:t>Varchar</a:t>
+                      </a:r>
+                      <a:r>
+                        <a:rPr lang="pt-BR" dirty="0" smtClean="0"/>
+                        <a:t>(100)</a:t>
+                      </a:r>
                       <a:endParaRPr lang="pt-BR" dirty="0"/>
                     </a:p>
                   </a:txBody>
@@ -13034,6 +13094,10 @@
                     <a:bodyPr/>
                     <a:lstStyle/>
                     <a:p>
+                      <a:r>
+                        <a:rPr lang="pt-BR" dirty="0" smtClean="0"/>
+                        <a:t>Bairro</a:t>
+                      </a:r>
                       <a:endParaRPr lang="pt-BR" dirty="0"/>
                     </a:p>
                   </a:txBody>
@@ -13044,6 +13108,14 @@
                     <a:bodyPr/>
                     <a:lstStyle/>
                     <a:p>
+                      <a:r>
+                        <a:rPr lang="pt-BR" dirty="0" err="1" smtClean="0"/>
+                        <a:t>Varchar</a:t>
+                      </a:r>
+                      <a:r>
+                        <a:rPr lang="pt-BR" dirty="0" smtClean="0"/>
+                        <a:t>(100)</a:t>
+                      </a:r>
                       <a:endParaRPr lang="pt-BR" dirty="0"/>
                     </a:p>
                   </a:txBody>
@@ -13071,6 +13143,10 @@
                     <a:bodyPr/>
                     <a:lstStyle/>
                     <a:p>
+                      <a:r>
+                        <a:rPr lang="pt-BR" dirty="0" smtClean="0"/>
+                        <a:t>Cidade</a:t>
+                      </a:r>
                       <a:endParaRPr lang="pt-BR" dirty="0"/>
                     </a:p>
                   </a:txBody>
@@ -13081,6 +13157,63 @@
                     <a:bodyPr/>
                     <a:lstStyle/>
                     <a:p>
+                      <a:r>
+                        <a:rPr lang="pt-BR" dirty="0" err="1" smtClean="0"/>
+                        <a:t>Varchar</a:t>
+                      </a:r>
+                      <a:r>
+                        <a:rPr lang="pt-BR" dirty="0" smtClean="0"/>
+                        <a:t>(100)</a:t>
+                      </a:r>
+                      <a:endParaRPr lang="pt-BR" dirty="0"/>
+                    </a:p>
+                  </a:txBody>
+                  <a:tcPr/>
+                </a:tc>
+                <a:tc>
+                  <a:txBody>
+                    <a:bodyPr/>
+                    <a:lstStyle/>
+                    <a:p>
+                      <a:endParaRPr lang="pt-BR" dirty="0"/>
+                    </a:p>
+                  </a:txBody>
+                  <a:tcPr/>
+                </a:tc>
+                <a:extLst>
+                  <a:ext uri="{0D108BD9-81ED-4DB2-BD59-A6C34878D82A}">
+                    <a16:rowId xmlns:a16="http://schemas.microsoft.com/office/drawing/2014/main" val="2767637003"/>
+                  </a:ext>
+                </a:extLst>
+              </a:tr>
+              <a:tr h="370840">
+                <a:tc>
+                  <a:txBody>
+                    <a:bodyPr/>
+                    <a:lstStyle/>
+                    <a:p>
+                      <a:r>
+                        <a:rPr lang="pt-BR" dirty="0" smtClean="0"/>
+                        <a:t>Estado</a:t>
+                      </a:r>
+                      <a:endParaRPr lang="pt-BR" dirty="0"/>
+                    </a:p>
+                  </a:txBody>
+                  <a:tcPr/>
+                </a:tc>
+                <a:tc>
+                  <a:txBody>
+                    <a:bodyPr/>
+                    <a:lstStyle/>
+                    <a:p>
+                      <a:r>
+                        <a:rPr lang="pt-BR" dirty="0" err="1" smtClean="0"/>
+                        <a:t>Varchar</a:t>
+                      </a:r>
+                      <a:r>
+                        <a:rPr lang="pt-BR" dirty="0" smtClean="0"/>
+                        <a:t>(100)</a:t>
+                      </a:r>
                       <a:endParaRPr lang="pt-BR" dirty="0"/>
                     </a:p>
                   </a:txBody>
@@ -13108,6 +13241,10 @@
                     <a:bodyPr/>
                     <a:lstStyle/>
                     <a:p>
+                      <a:r>
+                        <a:rPr lang="pt-BR" dirty="0" smtClean="0"/>
+                        <a:t>Telefone</a:t>
+                      </a:r>
                       <a:endParaRPr lang="pt-BR" dirty="0"/>
                     </a:p>
                   </a:txBody>
@@ -13118,6 +13255,14 @@
                     <a:bodyPr/>
                     <a:lstStyle/>
                     <a:p>
+                      <a:r>
+                        <a:rPr lang="pt-BR" dirty="0" err="1" smtClean="0"/>
+                        <a:t>Varchar</a:t>
+                      </a:r>
+                      <a:r>
+                        <a:rPr lang="pt-BR" dirty="0" smtClean="0"/>
+                        <a:t>(100)</a:t>
+                      </a:r>
                       <a:endParaRPr lang="pt-BR" dirty="0"/>
                     </a:p>
                   </a:txBody>
@@ -13145,6 +13290,10 @@
                     <a:bodyPr/>
                     <a:lstStyle/>
                     <a:p>
+                      <a:r>
+                        <a:rPr lang="pt-BR" dirty="0" smtClean="0"/>
+                        <a:t>CNPJ</a:t>
+                      </a:r>
                       <a:endParaRPr lang="pt-BR" dirty="0"/>
                     </a:p>
                   </a:txBody>
@@ -13155,6 +13304,14 @@
                     <a:bodyPr/>
                     <a:lstStyle/>
                     <a:p>
+                      <a:r>
+                        <a:rPr lang="pt-BR" dirty="0" err="1" smtClean="0"/>
+                        <a:t>Varchar</a:t>
+                      </a:r>
+                      <a:r>
+                        <a:rPr lang="pt-BR" dirty="0" smtClean="0"/>
+                        <a:t>(100)</a:t>
+                      </a:r>
                       <a:endParaRPr lang="pt-BR" dirty="0"/>
                     </a:p>
                   </a:txBody>
@@ -13308,7 +13465,7 @@
                 <a16:creationId xmlns:a16="http://schemas.microsoft.com/office/drawing/2014/main" id="{8450EF29-A29A-9417-2B09-074C04064425}"/>
               </a:ext>
               <a:ext uri="{C183D7F6-B498-43B3-948B-1728B52AA6E4}">
-                <adec:decorative xmlns:adec="http://schemas.microsoft.com/office/drawing/2017/decorative" xmlns="" val="1"/>
+                <adec:decorative xmlns="" xmlns:adec="http://schemas.microsoft.com/office/drawing/2017/decorative" val="1"/>
               </a:ext>
             </a:extLst>
           </p:cNvPr>
@@ -13460,7 +13617,7 @@
             <p:ph sz="half" idx="2"/>
             <p:extLst>
               <p:ext uri="{D42A27DB-BD31-4B8C-83A1-F6EECF244321}">
-                <p14:modId xmlns:p14="http://schemas.microsoft.com/office/powerpoint/2010/main" val="3233170764"/>
+                <p14:modId xmlns:p14="http://schemas.microsoft.com/office/powerpoint/2010/main" val="72094410"/>
               </p:ext>
             </p:extLst>
           </p:nvPr>
@@ -13661,6 +13818,10 @@
                     <a:bodyPr/>
                     <a:lstStyle/>
                     <a:p>
+                      <a:r>
+                        <a:rPr lang="pt-BR" dirty="0" err="1" smtClean="0"/>
+                        <a:t>DateTime</a:t>
+                      </a:r>
                       <a:endParaRPr lang="pt-BR" dirty="0"/>
                     </a:p>
                   </a:txBody>
@@ -13688,6 +13849,10 @@
                     <a:bodyPr/>
                     <a:lstStyle/>
                     <a:p>
+                      <a:r>
+                        <a:rPr lang="pt-BR" dirty="0" err="1" smtClean="0"/>
+                        <a:t>obs</a:t>
+                      </a:r>
                       <a:endParaRPr lang="pt-BR" dirty="0"/>
                     </a:p>
                   </a:txBody>
@@ -13698,6 +13863,10 @@
                     <a:bodyPr/>
                     <a:lstStyle/>
                     <a:p>
+                      <a:r>
+                        <a:rPr lang="pt-BR" dirty="0" err="1" smtClean="0"/>
+                        <a:t>int</a:t>
+                      </a:r>
                       <a:endParaRPr lang="pt-BR" dirty="0"/>
                     </a:p>
                   </a:txBody>
@@ -13925,7 +14094,7 @@
                 <a16:creationId xmlns:a16="http://schemas.microsoft.com/office/drawing/2014/main" id="{8450EF29-A29A-9417-2B09-074C04064425}"/>
               </a:ext>
               <a:ext uri="{C183D7F6-B498-43B3-948B-1728B52AA6E4}">
-                <adec:decorative xmlns:adec="http://schemas.microsoft.com/office/drawing/2017/decorative" xmlns="" val="1"/>
+                <adec:decorative xmlns="" xmlns:adec="http://schemas.microsoft.com/office/drawing/2017/decorative" val="1"/>
               </a:ext>
             </a:extLst>
           </p:cNvPr>
@@ -14077,7 +14246,7 @@
             <p:ph sz="half" idx="2"/>
             <p:extLst>
               <p:ext uri="{D42A27DB-BD31-4B8C-83A1-F6EECF244321}">
-                <p14:modId xmlns:p14="http://schemas.microsoft.com/office/powerpoint/2010/main" val="3311993656"/>
+                <p14:modId xmlns:p14="http://schemas.microsoft.com/office/powerpoint/2010/main" val="2261754477"/>
               </p:ext>
             </p:extLst>
           </p:nvPr>
@@ -14309,6 +14478,10 @@
                     <a:bodyPr/>
                     <a:lstStyle/>
                     <a:p>
+                      <a:r>
+                        <a:rPr lang="pt-BR" dirty="0" err="1" smtClean="0"/>
+                        <a:t>obs</a:t>
+                      </a:r>
                       <a:endParaRPr lang="pt-BR" dirty="0"/>
                     </a:p>
                   </a:txBody>
@@ -14319,6 +14492,10 @@
                     <a:bodyPr/>
                     <a:lstStyle/>
                     <a:p>
+                      <a:r>
+                        <a:rPr lang="pt-BR" dirty="0" err="1" smtClean="0"/>
+                        <a:t>Int</a:t>
+                      </a:r>
                       <a:endParaRPr lang="pt-BR" dirty="0"/>
                     </a:p>
                   </a:txBody>
@@ -14554,7 +14731,7 @@
                 <a16:creationId xmlns:a16="http://schemas.microsoft.com/office/drawing/2014/main" id="{5E8D3B17-7638-DFD3-18E4-8A6D611749CF}"/>
               </a:ext>
               <a:ext uri="{C183D7F6-B498-43B3-948B-1728B52AA6E4}">
-                <adec:decorative xmlns:adec="http://schemas.microsoft.com/office/drawing/2017/decorative" xmlns="" val="1"/>
+                <adec:decorative xmlns="" xmlns:adec="http://schemas.microsoft.com/office/drawing/2017/decorative" val="1"/>
               </a:ext>
             </a:extLst>
           </p:cNvPr>
@@ -14763,7 +14940,7 @@
             <p:ph sz="half" idx="2"/>
             <p:extLst>
               <p:ext uri="{E7BDC344-281C-4309-B0C6-D0EE65EED2A8}">
-                <p202:designPr xmlns:p202="http://schemas.microsoft.com/office/powerpoint/2020/02/main" xmlns="">
+                <p202:designPr xmlns="" xmlns:p202="http://schemas.microsoft.com/office/powerpoint/2020/02/main">
                   <p202:designTagLst>
                     <p202:designTag name="ARCH:1:CLS" val="InformationBlock"/>
                     <p202:designTag name="ARCH:1:VSVAR" val="TitledTextBox"/>
@@ -15021,7 +15198,7 @@
                 <a16:creationId xmlns:a16="http://schemas.microsoft.com/office/drawing/2014/main" id="{8450EF29-A29A-9417-2B09-074C04064425}"/>
               </a:ext>
               <a:ext uri="{C183D7F6-B498-43B3-948B-1728B52AA6E4}">
-                <adec:decorative xmlns:adec="http://schemas.microsoft.com/office/drawing/2017/decorative" xmlns="" val="1"/>
+                <adec:decorative xmlns="" xmlns:adec="http://schemas.microsoft.com/office/drawing/2017/decorative" val="1"/>
               </a:ext>
             </a:extLst>
           </p:cNvPr>
@@ -15173,7 +15350,7 @@
             <p:ph sz="half" idx="2"/>
             <p:extLst>
               <p:ext uri="{D42A27DB-BD31-4B8C-83A1-F6EECF244321}">
-                <p14:modId xmlns:p14="http://schemas.microsoft.com/office/powerpoint/2010/main" val="3231611204"/>
+                <p14:modId xmlns:p14="http://schemas.microsoft.com/office/powerpoint/2010/main" val="116724360"/>
               </p:ext>
             </p:extLst>
           </p:nvPr>
@@ -15377,6 +15554,10 @@
                     <a:bodyPr/>
                     <a:lstStyle/>
                     <a:p>
+                      <a:r>
+                        <a:rPr lang="pt-BR" dirty="0" err="1" smtClean="0"/>
+                        <a:t>IdProd</a:t>
+                      </a:r>
                       <a:endParaRPr lang="pt-BR" dirty="0"/>
                     </a:p>
                   </a:txBody>
@@ -15387,6 +15568,10 @@
                     <a:bodyPr/>
                     <a:lstStyle/>
                     <a:p>
+                      <a:r>
+                        <a:rPr lang="pt-BR" dirty="0" err="1" smtClean="0"/>
+                        <a:t>Int</a:t>
+                      </a:r>
                       <a:endParaRPr lang="pt-BR" dirty="0"/>
                     </a:p>
                   </a:txBody>
@@ -15397,6 +15582,10 @@
                     <a:bodyPr/>
                     <a:lstStyle/>
                     <a:p>
+                      <a:r>
+                        <a:rPr lang="pt-BR" dirty="0" err="1" smtClean="0"/>
+                        <a:t>Fk</a:t>
+                      </a:r>
                       <a:endParaRPr lang="pt-BR" dirty="0"/>
                     </a:p>
                   </a:txBody>
@@ -15414,6 +15603,10 @@
                     <a:bodyPr/>
                     <a:lstStyle/>
                     <a:p>
+                      <a:r>
+                        <a:rPr lang="pt-BR" dirty="0" smtClean="0"/>
+                        <a:t>quantidade</a:t>
+                      </a:r>
                       <a:endParaRPr lang="pt-BR" dirty="0"/>
                     </a:p>
                   </a:txBody>
@@ -15424,6 +15617,10 @@
                     <a:bodyPr/>
                     <a:lstStyle/>
                     <a:p>
+                      <a:r>
+                        <a:rPr lang="pt-BR" dirty="0" err="1" smtClean="0"/>
+                        <a:t>int</a:t>
+                      </a:r>
                       <a:endParaRPr lang="pt-BR" dirty="0"/>
                     </a:p>
                   </a:txBody>
@@ -15451,6 +15648,10 @@
                     <a:bodyPr/>
                     <a:lstStyle/>
                     <a:p>
+                      <a:r>
+                        <a:rPr lang="pt-BR" dirty="0" err="1" smtClean="0"/>
+                        <a:t>preco</a:t>
+                      </a:r>
                       <a:endParaRPr lang="pt-BR" dirty="0"/>
                     </a:p>
                   </a:txBody>
@@ -15461,6 +15662,10 @@
                     <a:bodyPr/>
                     <a:lstStyle/>
                     <a:p>
+                      <a:r>
+                        <a:rPr lang="pt-BR" dirty="0" err="1" smtClean="0"/>
+                        <a:t>double</a:t>
+                      </a:r>
                       <a:endParaRPr lang="pt-BR" dirty="0"/>
                     </a:p>
                   </a:txBody>
@@ -15488,6 +15693,10 @@
                     <a:bodyPr/>
                     <a:lstStyle/>
                     <a:p>
+                      <a:r>
+                        <a:rPr lang="pt-BR" dirty="0" smtClean="0"/>
+                        <a:t>total</a:t>
+                      </a:r>
                       <a:endParaRPr lang="pt-BR" dirty="0"/>
                     </a:p>
                   </a:txBody>
@@ -15498,6 +15707,10 @@
                     <a:bodyPr/>
                     <a:lstStyle/>
                     <a:p>
+                      <a:r>
+                        <a:rPr lang="pt-BR" dirty="0" err="1" smtClean="0"/>
+                        <a:t>double</a:t>
+                      </a:r>
                       <a:endParaRPr lang="pt-BR" dirty="0"/>
                     </a:p>
                   </a:txBody>
@@ -15665,7 +15878,7 @@
                 <a16:creationId xmlns:a16="http://schemas.microsoft.com/office/drawing/2014/main" id="{8450EF29-A29A-9417-2B09-074C04064425}"/>
               </a:ext>
               <a:ext uri="{C183D7F6-B498-43B3-948B-1728B52AA6E4}">
-                <adec:decorative xmlns:adec="http://schemas.microsoft.com/office/drawing/2017/decorative" xmlns="" val="1"/>
+                <adec:decorative xmlns="" xmlns:adec="http://schemas.microsoft.com/office/drawing/2017/decorative" val="1"/>
               </a:ext>
             </a:extLst>
           </p:cNvPr>
@@ -15817,7 +16030,7 @@
             <p:ph sz="half" idx="2"/>
             <p:extLst>
               <p:ext uri="{D42A27DB-BD31-4B8C-83A1-F6EECF244321}">
-                <p14:modId xmlns:p14="http://schemas.microsoft.com/office/powerpoint/2010/main" val="358089077"/>
+                <p14:modId xmlns:p14="http://schemas.microsoft.com/office/powerpoint/2010/main" val="1000538262"/>
               </p:ext>
             </p:extLst>
           </p:nvPr>
@@ -16021,6 +16234,10 @@
                     <a:bodyPr/>
                     <a:lstStyle/>
                     <a:p>
+                      <a:r>
+                        <a:rPr lang="pt-BR" dirty="0" err="1" smtClean="0"/>
+                        <a:t>IdProd</a:t>
+                      </a:r>
                       <a:endParaRPr lang="pt-BR" dirty="0"/>
                     </a:p>
                   </a:txBody>
@@ -16031,6 +16248,10 @@
                     <a:bodyPr/>
                     <a:lstStyle/>
                     <a:p>
+                      <a:r>
+                        <a:rPr lang="pt-BR" dirty="0" err="1" smtClean="0"/>
+                        <a:t>Int</a:t>
+                      </a:r>
                       <a:endParaRPr lang="pt-BR" dirty="0"/>
                     </a:p>
                   </a:txBody>
@@ -16041,6 +16262,10 @@
                     <a:bodyPr/>
                     <a:lstStyle/>
                     <a:p>
+                      <a:r>
+                        <a:rPr lang="pt-BR" dirty="0" err="1" smtClean="0"/>
+                        <a:t>Fk</a:t>
+                      </a:r>
                       <a:endParaRPr lang="pt-BR" dirty="0"/>
                     </a:p>
                   </a:txBody>
@@ -16058,6 +16283,10 @@
                     <a:bodyPr/>
                     <a:lstStyle/>
                     <a:p>
+                      <a:r>
+                        <a:rPr lang="pt-BR" dirty="0" smtClean="0"/>
+                        <a:t>quantidade</a:t>
+                      </a:r>
                       <a:endParaRPr lang="pt-BR" dirty="0"/>
                     </a:p>
                   </a:txBody>
@@ -16068,6 +16297,10 @@
                     <a:bodyPr/>
                     <a:lstStyle/>
                     <a:p>
+                      <a:r>
+                        <a:rPr lang="pt-BR" dirty="0" err="1" smtClean="0"/>
+                        <a:t>int</a:t>
+                      </a:r>
                       <a:endParaRPr lang="pt-BR" dirty="0"/>
                     </a:p>
                   </a:txBody>
@@ -16095,6 +16328,10 @@
                     <a:bodyPr/>
                     <a:lstStyle/>
                     <a:p>
+                      <a:r>
+                        <a:rPr lang="pt-BR" dirty="0" err="1" smtClean="0"/>
+                        <a:t>preco</a:t>
+                      </a:r>
                       <a:endParaRPr lang="pt-BR" dirty="0"/>
                     </a:p>
                   </a:txBody>
@@ -16105,6 +16342,10 @@
                     <a:bodyPr/>
                     <a:lstStyle/>
                     <a:p>
+                      <a:r>
+                        <a:rPr lang="pt-BR" dirty="0" err="1" smtClean="0"/>
+                        <a:t>double</a:t>
+                      </a:r>
                       <a:endParaRPr lang="pt-BR" dirty="0"/>
                     </a:p>
                   </a:txBody>
@@ -16132,6 +16373,10 @@
                     <a:bodyPr/>
                     <a:lstStyle/>
                     <a:p>
+                      <a:r>
+                        <a:rPr lang="pt-BR" dirty="0" smtClean="0"/>
+                        <a:t>total</a:t>
+                      </a:r>
                       <a:endParaRPr lang="pt-BR" dirty="0"/>
                     </a:p>
                   </a:txBody>
@@ -16142,6 +16387,10 @@
                     <a:bodyPr/>
                     <a:lstStyle/>
                     <a:p>
+                      <a:r>
+                        <a:rPr lang="pt-BR" dirty="0" err="1" smtClean="0"/>
+                        <a:t>double</a:t>
+                      </a:r>
                       <a:endParaRPr lang="pt-BR" dirty="0"/>
                     </a:p>
                   </a:txBody>
@@ -16231,7 +16480,7 @@
                 <a:latin typeface="Arial" panose="020B0604020202020204" pitchFamily="34" charset="0"/>
                 <a:cs typeface="Arial" panose="020B0604020202020204" pitchFamily="34" charset="0"/>
               </a:rPr>
-              <a:t>IteneEntrada</a:t>
+              <a:t>ItenEntrada</a:t>
             </a:r>
             <a:r>
               <a:rPr lang="pt-BR" sz="1600" dirty="0" smtClean="0">
@@ -16303,7 +16552,7 @@
                 <a16:creationId xmlns:a16="http://schemas.microsoft.com/office/drawing/2014/main" id="{5E8D3B17-7638-DFD3-18E4-8A6D611749CF}"/>
               </a:ext>
               <a:ext uri="{C183D7F6-B498-43B3-948B-1728B52AA6E4}">
-                <adec:decorative xmlns:adec="http://schemas.microsoft.com/office/drawing/2017/decorative" xmlns="" val="1"/>
+                <adec:decorative xmlns="" xmlns:adec="http://schemas.microsoft.com/office/drawing/2017/decorative" val="1"/>
               </a:ext>
             </a:extLst>
           </p:cNvPr>
@@ -16463,7 +16712,7 @@
                 <a16:creationId xmlns:a16="http://schemas.microsoft.com/office/drawing/2014/main" id="{5E8D3B17-7638-DFD3-18E4-8A6D611749CF}"/>
               </a:ext>
               <a:ext uri="{C183D7F6-B498-43B3-948B-1728B52AA6E4}">
-                <adec:decorative xmlns:adec="http://schemas.microsoft.com/office/drawing/2017/decorative" xmlns="" val="1"/>
+                <adec:decorative xmlns="" xmlns:adec="http://schemas.microsoft.com/office/drawing/2017/decorative" val="1"/>
               </a:ext>
             </a:extLst>
           </p:cNvPr>
@@ -16737,7 +16986,7 @@
                 <a16:creationId xmlns:a16="http://schemas.microsoft.com/office/drawing/2014/main" id="{5E8D3B17-7638-DFD3-18E4-8A6D611749CF}"/>
               </a:ext>
               <a:ext uri="{C183D7F6-B498-43B3-948B-1728B52AA6E4}">
-                <adec:decorative xmlns:adec="http://schemas.microsoft.com/office/drawing/2017/decorative" xmlns="" val="1"/>
+                <adec:decorative xmlns="" xmlns:adec="http://schemas.microsoft.com/office/drawing/2017/decorative" val="1"/>
               </a:ext>
             </a:extLst>
           </p:cNvPr>
@@ -17662,7 +17911,7 @@
                 <a16:creationId xmlns:a16="http://schemas.microsoft.com/office/drawing/2014/main" id="{5E8D3B17-7638-DFD3-18E4-8A6D611749CF}"/>
               </a:ext>
               <a:ext uri="{C183D7F6-B498-43B3-948B-1728B52AA6E4}">
-                <adec:decorative xmlns:adec="http://schemas.microsoft.com/office/drawing/2017/decorative" xmlns="" val="1"/>
+                <adec:decorative xmlns="" xmlns:adec="http://schemas.microsoft.com/office/drawing/2017/decorative" val="1"/>
               </a:ext>
             </a:extLst>
           </p:cNvPr>
@@ -17799,7 +18048,7 @@
             <p:ph sz="half" idx="2"/>
             <p:extLst>
               <p:ext uri="{E7BDC344-281C-4309-B0C6-D0EE65EED2A8}">
-                <p202:designPr xmlns:p202="http://schemas.microsoft.com/office/powerpoint/2020/02/main" xmlns="">
+                <p202:designPr xmlns="" xmlns:p202="http://schemas.microsoft.com/office/powerpoint/2020/02/main">
                   <p202:designTagLst>
                     <p202:designTag name="ARCH:1:CLS" val="InformationBlock"/>
                     <p202:designTag name="ARCH:1:VSVAR" val="TitledTextBox"/>
@@ -18025,7 +18274,7 @@
                 <a16:creationId xmlns:a16="http://schemas.microsoft.com/office/drawing/2014/main" id="{5E8D3B17-7638-DFD3-18E4-8A6D611749CF}"/>
               </a:ext>
               <a:ext uri="{C183D7F6-B498-43B3-948B-1728B52AA6E4}">
-                <adec:decorative xmlns:adec="http://schemas.microsoft.com/office/drawing/2017/decorative" xmlns="" val="1"/>
+                <adec:decorative xmlns="" xmlns:adec="http://schemas.microsoft.com/office/drawing/2017/decorative" val="1"/>
               </a:ext>
             </a:extLst>
           </p:cNvPr>
@@ -18152,7 +18401,7 @@
             <p:ph sz="half" idx="2"/>
             <p:extLst>
               <p:ext uri="{E7BDC344-281C-4309-B0C6-D0EE65EED2A8}">
-                <p202:designPr xmlns:p202="http://schemas.microsoft.com/office/powerpoint/2020/02/main" xmlns="">
+                <p202:designPr xmlns="" xmlns:p202="http://schemas.microsoft.com/office/powerpoint/2020/02/main">
                   <p202:designTagLst>
                     <p202:designTag name="ARCH:1:CLS" val="InformationBlock"/>
                     <p202:designTag name="ARCH:1:VSVAR" val="TitledTextBox"/>
@@ -18469,7 +18718,7 @@
                 <a16:creationId xmlns:a16="http://schemas.microsoft.com/office/drawing/2014/main" id="{E1D40FB4-97DC-F5FF-9E7A-C10E078A1532}"/>
               </a:ext>
               <a:ext uri="{C183D7F6-B498-43B3-948B-1728B52AA6E4}">
-                <adec:decorative xmlns:adec="http://schemas.microsoft.com/office/drawing/2017/decorative" xmlns="" val="1"/>
+                <adec:decorative xmlns="" xmlns:adec="http://schemas.microsoft.com/office/drawing/2017/decorative" val="1"/>
               </a:ext>
             </a:extLst>
           </p:cNvPr>
@@ -18599,7 +18848,7 @@
             <p:ph sz="half" idx="2"/>
             <p:extLst>
               <p:ext uri="{E7BDC344-281C-4309-B0C6-D0EE65EED2A8}">
-                <p202:designPr xmlns:p202="http://schemas.microsoft.com/office/powerpoint/2020/02/main" xmlns="">
+                <p202:designPr xmlns="" xmlns:p202="http://schemas.microsoft.com/office/powerpoint/2020/02/main">
                   <p202:designTagLst>
                     <p202:designTag name="ARCH:1:CLS" val="InformationBlock"/>
                     <p202:designTag name="ARCH:1:VSVAR" val="TitledTextBox"/>
@@ -18857,7 +19106,7 @@
                 <a16:creationId xmlns:a16="http://schemas.microsoft.com/office/drawing/2014/main" id="{A51D6A68-C3BD-3399-CCA8-A7290FC8E09C}"/>
               </a:ext>
               <a:ext uri="{C183D7F6-B498-43B3-948B-1728B52AA6E4}">
-                <adec:decorative xmlns:adec="http://schemas.microsoft.com/office/drawing/2017/decorative" xmlns="" val="1"/>
+                <adec:decorative xmlns="" xmlns:adec="http://schemas.microsoft.com/office/drawing/2017/decorative" val="1"/>
               </a:ext>
             </a:extLst>
           </p:cNvPr>
@@ -18985,7 +19234,7 @@
             <p:ph sz="half" idx="2"/>
             <p:extLst>
               <p:ext uri="{E7BDC344-281C-4309-B0C6-D0EE65EED2A8}">
-                <p202:designPr xmlns:p202="http://schemas.microsoft.com/office/powerpoint/2020/02/main" xmlns="">
+                <p202:designPr xmlns="" xmlns:p202="http://schemas.microsoft.com/office/powerpoint/2020/02/main">
                   <p202:designTagLst>
                     <p202:designTag name="ARCH:1:CLS" val="InformationBlock"/>
                     <p202:designTag name="ARCH:1:VSVAR" val="TitledTextBox"/>
@@ -19243,7 +19492,7 @@
                 <a16:creationId xmlns:a16="http://schemas.microsoft.com/office/drawing/2014/main" id="{7F39A533-5E9C-439F-5CF1-06FFAB778C1F}"/>
               </a:ext>
               <a:ext uri="{C183D7F6-B498-43B3-948B-1728B52AA6E4}">
-                <adec:decorative xmlns:adec="http://schemas.microsoft.com/office/drawing/2017/decorative" xmlns="" val="1"/>
+                <adec:decorative xmlns="" xmlns:adec="http://schemas.microsoft.com/office/drawing/2017/decorative" val="1"/>
               </a:ext>
             </a:extLst>
           </p:cNvPr>
@@ -19371,7 +19620,7 @@
             <p:ph sz="half" idx="2"/>
             <p:extLst>
               <p:ext uri="{E7BDC344-281C-4309-B0C6-D0EE65EED2A8}">
-                <p202:designPr xmlns:p202="http://schemas.microsoft.com/office/powerpoint/2020/02/main" xmlns="">
+                <p202:designPr xmlns="" xmlns:p202="http://schemas.microsoft.com/office/powerpoint/2020/02/main">
                   <p202:designTagLst>
                     <p202:designTag name="ARCH:1:CLS" val="InformationBlock"/>
                     <p202:designTag name="ARCH:1:VSVAR" val="TitledTextBox"/>
@@ -19644,7 +19893,7 @@
                 <a16:creationId xmlns:a16="http://schemas.microsoft.com/office/drawing/2014/main" id="{A82A2D76-411A-C189-4AD9-642686996848}"/>
               </a:ext>
               <a:ext uri="{C183D7F6-B498-43B3-948B-1728B52AA6E4}">
-                <adec:decorative xmlns:adec="http://schemas.microsoft.com/office/drawing/2017/decorative" xmlns="" val="1"/>
+                <adec:decorative xmlns="" xmlns:adec="http://schemas.microsoft.com/office/drawing/2017/decorative" val="1"/>
               </a:ext>
             </a:extLst>
           </p:cNvPr>
@@ -19772,7 +20021,7 @@
             <p:ph sz="half" idx="2"/>
             <p:extLst>
               <p:ext uri="{E7BDC344-281C-4309-B0C6-D0EE65EED2A8}">
-                <p202:designPr xmlns:p202="http://schemas.microsoft.com/office/powerpoint/2020/02/main" xmlns="">
+                <p202:designPr xmlns="" xmlns:p202="http://schemas.microsoft.com/office/powerpoint/2020/02/main">
                   <p202:designTagLst>
                     <p202:designTag name="ARCH:1:CLS" val="InformationBlock"/>
                     <p202:designTag name="ARCH:1:VSVAR" val="TitledTextBox"/>
@@ -20033,7 +20282,7 @@
                 <a16:creationId xmlns:a16="http://schemas.microsoft.com/office/drawing/2014/main" id="{E482AA53-DA69-E258-8B64-8F8CE86FCDD4}"/>
               </a:ext>
               <a:ext uri="{C183D7F6-B498-43B3-948B-1728B52AA6E4}">
-                <adec:decorative xmlns:adec="http://schemas.microsoft.com/office/drawing/2017/decorative" xmlns="" val="1"/>
+                <adec:decorative xmlns="" xmlns:adec="http://schemas.microsoft.com/office/drawing/2017/decorative" val="1"/>
               </a:ext>
             </a:extLst>
           </p:cNvPr>
@@ -20161,7 +20410,7 @@
             <p:ph sz="half" idx="2"/>
             <p:extLst>
               <p:ext uri="{E7BDC344-281C-4309-B0C6-D0EE65EED2A8}">
-                <p202:designPr xmlns:p202="http://schemas.microsoft.com/office/powerpoint/2020/02/main" xmlns="">
+                <p202:designPr xmlns="" xmlns:p202="http://schemas.microsoft.com/office/powerpoint/2020/02/main">
                   <p202:designTagLst>
                     <p202:designTag name="ARCH:1:CLS" val="InformationBlock"/>
                     <p202:designTag name="ARCH:1:VSVAR" val="TitledTextBox"/>
@@ -20437,7 +20686,7 @@
                 <a16:creationId xmlns:a16="http://schemas.microsoft.com/office/drawing/2014/main" id="{5C27E16A-554C-D4AC-900E-AA69DDAEDE03}"/>
               </a:ext>
               <a:ext uri="{C183D7F6-B498-43B3-948B-1728B52AA6E4}">
-                <adec:decorative xmlns:adec="http://schemas.microsoft.com/office/drawing/2017/decorative" xmlns="" val="1"/>
+                <adec:decorative xmlns="" xmlns:adec="http://schemas.microsoft.com/office/drawing/2017/decorative" val="1"/>
               </a:ext>
             </a:extLst>
           </p:cNvPr>
@@ -20565,7 +20814,7 @@
             <p:ph sz="half" idx="2"/>
             <p:extLst>
               <p:ext uri="{E7BDC344-281C-4309-B0C6-D0EE65EED2A8}">
-                <p202:designPr xmlns:p202="http://schemas.microsoft.com/office/powerpoint/2020/02/main" xmlns="">
+                <p202:designPr xmlns="" xmlns:p202="http://schemas.microsoft.com/office/powerpoint/2020/02/main">
                   <p202:designTagLst>
                     <p202:designTag name="ARCH:1:CLS" val="InformationBlock"/>
                     <p202:designTag name="ARCH:1:VSVAR" val="TitledTextBox"/>

--- a/Documentacao/ModelagemSistema_TemplateInicial.pptx
+++ b/Documentacao/ModelagemSistema_TemplateInicial.pptx
@@ -6356,7 +6356,7 @@
                 <a16:creationId xmlns:a16="http://schemas.microsoft.com/office/drawing/2014/main" id="{6E448DB1-4196-18A6-15DA-C72635C1B11E}"/>
               </a:ext>
               <a:ext uri="{C183D7F6-B498-43B3-948B-1728B52AA6E4}">
-                <adec:decorative xmlns="" xmlns:adec="http://schemas.microsoft.com/office/drawing/2017/decorative" val="1"/>
+                <adec:decorative xmlns:adec="http://schemas.microsoft.com/office/drawing/2017/decorative" xmlns="" val="1"/>
               </a:ext>
             </a:extLst>
           </p:cNvPr>
@@ -6464,7 +6464,7 @@
                 <a16:creationId xmlns:a16="http://schemas.microsoft.com/office/drawing/2014/main" id="{76A10D8F-D463-70E5-239B-17AD65EF433D}"/>
               </a:ext>
               <a:ext uri="{C183D7F6-B498-43B3-948B-1728B52AA6E4}">
-                <adec:decorative xmlns="" xmlns:adec="http://schemas.microsoft.com/office/drawing/2017/decorative" val="1"/>
+                <adec:decorative xmlns:adec="http://schemas.microsoft.com/office/drawing/2017/decorative" xmlns="" val="1"/>
               </a:ext>
             </a:extLst>
           </p:cNvPr>
@@ -6926,7 +6926,7 @@
                 <a16:creationId xmlns:a16="http://schemas.microsoft.com/office/drawing/2014/main" id="{74EA76C7-8C08-E029-0E79-750B71C94A62}"/>
               </a:ext>
               <a:ext uri="{C183D7F6-B498-43B3-948B-1728B52AA6E4}">
-                <adec:decorative xmlns="" xmlns:adec="http://schemas.microsoft.com/office/drawing/2017/decorative" val="1"/>
+                <adec:decorative xmlns:adec="http://schemas.microsoft.com/office/drawing/2017/decorative" xmlns="" val="1"/>
               </a:ext>
             </a:extLst>
           </p:cNvPr>
@@ -7065,7 +7065,7 @@
             <p:ph sz="half" idx="2"/>
             <p:extLst>
               <p:ext uri="{E7BDC344-281C-4309-B0C6-D0EE65EED2A8}">
-                <p202:designPr xmlns="" xmlns:p202="http://schemas.microsoft.com/office/powerpoint/2020/02/main">
+                <p202:designPr xmlns:p202="http://schemas.microsoft.com/office/powerpoint/2020/02/main" xmlns="">
                   <p202:designTagLst>
                     <p202:designTag name="ARCH:1:CLS" val="InformationBlock"/>
                     <p202:designTag name="ARCH:1:VSVAR" val="TitledTextBox"/>
@@ -7361,7 +7361,7 @@
                 <a16:creationId xmlns:a16="http://schemas.microsoft.com/office/drawing/2014/main" id="{74EA76C7-8C08-E029-0E79-750B71C94A62}"/>
               </a:ext>
               <a:ext uri="{C183D7F6-B498-43B3-948B-1728B52AA6E4}">
-                <adec:decorative xmlns="" xmlns:adec="http://schemas.microsoft.com/office/drawing/2017/decorative" val="1"/>
+                <adec:decorative xmlns:adec="http://schemas.microsoft.com/office/drawing/2017/decorative" xmlns="" val="1"/>
               </a:ext>
             </a:extLst>
           </p:cNvPr>
@@ -8038,7 +8038,7 @@
                 <a16:creationId xmlns:a16="http://schemas.microsoft.com/office/drawing/2014/main" id="{5E8D3B17-7638-DFD3-18E4-8A6D611749CF}"/>
               </a:ext>
               <a:ext uri="{C183D7F6-B498-43B3-948B-1728B52AA6E4}">
-                <adec:decorative xmlns="" xmlns:adec="http://schemas.microsoft.com/office/drawing/2017/decorative" val="1"/>
+                <adec:decorative xmlns:adec="http://schemas.microsoft.com/office/drawing/2017/decorative" xmlns="" val="1"/>
               </a:ext>
             </a:extLst>
           </p:cNvPr>
@@ -9317,7 +9317,7 @@
                 <a16:creationId xmlns:a16="http://schemas.microsoft.com/office/drawing/2014/main" id="{B8ADE68D-5E75-5D63-4B8C-6BEFCE9D06E3}"/>
               </a:ext>
               <a:ext uri="{C183D7F6-B498-43B3-948B-1728B52AA6E4}">
-                <adec:decorative xmlns="" xmlns:adec="http://schemas.microsoft.com/office/drawing/2017/decorative" val="1"/>
+                <adec:decorative xmlns:adec="http://schemas.microsoft.com/office/drawing/2017/decorative" xmlns="" val="1"/>
               </a:ext>
             </a:extLst>
           </p:cNvPr>
@@ -10619,7 +10619,7 @@
                 <a16:creationId xmlns:a16="http://schemas.microsoft.com/office/drawing/2014/main" id="{8450EF29-A29A-9417-2B09-074C04064425}"/>
               </a:ext>
               <a:ext uri="{C183D7F6-B498-43B3-948B-1728B52AA6E4}">
-                <adec:decorative xmlns="" xmlns:adec="http://schemas.microsoft.com/office/drawing/2017/decorative" val="1"/>
+                <adec:decorative xmlns:adec="http://schemas.microsoft.com/office/drawing/2017/decorative" xmlns="" val="1"/>
               </a:ext>
             </a:extLst>
           </p:cNvPr>
@@ -11275,7 +11275,7 @@
                 <a16:creationId xmlns:a16="http://schemas.microsoft.com/office/drawing/2014/main" id="{8450EF29-A29A-9417-2B09-074C04064425}"/>
               </a:ext>
               <a:ext uri="{C183D7F6-B498-43B3-948B-1728B52AA6E4}">
-                <adec:decorative xmlns="" xmlns:adec="http://schemas.microsoft.com/office/drawing/2017/decorative" val="1"/>
+                <adec:decorative xmlns:adec="http://schemas.microsoft.com/office/drawing/2017/decorative" xmlns="" val="1"/>
               </a:ext>
             </a:extLst>
           </p:cNvPr>
@@ -11932,7 +11932,7 @@
                 <a16:creationId xmlns:a16="http://schemas.microsoft.com/office/drawing/2014/main" id="{8450EF29-A29A-9417-2B09-074C04064425}"/>
               </a:ext>
               <a:ext uri="{C183D7F6-B498-43B3-948B-1728B52AA6E4}">
-                <adec:decorative xmlns="" xmlns:adec="http://schemas.microsoft.com/office/drawing/2017/decorative" val="1"/>
+                <adec:decorative xmlns:adec="http://schemas.microsoft.com/office/drawing/2017/decorative" xmlns="" val="1"/>
               </a:ext>
             </a:extLst>
           </p:cNvPr>
@@ -12702,7 +12702,7 @@
                 <a16:creationId xmlns:a16="http://schemas.microsoft.com/office/drawing/2014/main" id="{8450EF29-A29A-9417-2B09-074C04064425}"/>
               </a:ext>
               <a:ext uri="{C183D7F6-B498-43B3-948B-1728B52AA6E4}">
-                <adec:decorative xmlns="" xmlns:adec="http://schemas.microsoft.com/office/drawing/2017/decorative" val="1"/>
+                <adec:decorative xmlns:adec="http://schemas.microsoft.com/office/drawing/2017/decorative" xmlns="" val="1"/>
               </a:ext>
             </a:extLst>
           </p:cNvPr>
@@ -13465,7 +13465,7 @@
                 <a16:creationId xmlns:a16="http://schemas.microsoft.com/office/drawing/2014/main" id="{8450EF29-A29A-9417-2B09-074C04064425}"/>
               </a:ext>
               <a:ext uri="{C183D7F6-B498-43B3-948B-1728B52AA6E4}">
-                <adec:decorative xmlns="" xmlns:adec="http://schemas.microsoft.com/office/drawing/2017/decorative" val="1"/>
+                <adec:decorative xmlns:adec="http://schemas.microsoft.com/office/drawing/2017/decorative" xmlns="" val="1"/>
               </a:ext>
             </a:extLst>
           </p:cNvPr>
@@ -14094,7 +14094,7 @@
                 <a16:creationId xmlns:a16="http://schemas.microsoft.com/office/drawing/2014/main" id="{8450EF29-A29A-9417-2B09-074C04064425}"/>
               </a:ext>
               <a:ext uri="{C183D7F6-B498-43B3-948B-1728B52AA6E4}">
-                <adec:decorative xmlns="" xmlns:adec="http://schemas.microsoft.com/office/drawing/2017/decorative" val="1"/>
+                <adec:decorative xmlns:adec="http://schemas.microsoft.com/office/drawing/2017/decorative" xmlns="" val="1"/>
               </a:ext>
             </a:extLst>
           </p:cNvPr>
@@ -14731,7 +14731,7 @@
                 <a16:creationId xmlns:a16="http://schemas.microsoft.com/office/drawing/2014/main" id="{5E8D3B17-7638-DFD3-18E4-8A6D611749CF}"/>
               </a:ext>
               <a:ext uri="{C183D7F6-B498-43B3-948B-1728B52AA6E4}">
-                <adec:decorative xmlns="" xmlns:adec="http://schemas.microsoft.com/office/drawing/2017/decorative" val="1"/>
+                <adec:decorative xmlns:adec="http://schemas.microsoft.com/office/drawing/2017/decorative" xmlns="" val="1"/>
               </a:ext>
             </a:extLst>
           </p:cNvPr>
@@ -14940,7 +14940,7 @@
             <p:ph sz="half" idx="2"/>
             <p:extLst>
               <p:ext uri="{E7BDC344-281C-4309-B0C6-D0EE65EED2A8}">
-                <p202:designPr xmlns="" xmlns:p202="http://schemas.microsoft.com/office/powerpoint/2020/02/main">
+                <p202:designPr xmlns:p202="http://schemas.microsoft.com/office/powerpoint/2020/02/main" xmlns="">
                   <p202:designTagLst>
                     <p202:designTag name="ARCH:1:CLS" val="InformationBlock"/>
                     <p202:designTag name="ARCH:1:VSVAR" val="TitledTextBox"/>
@@ -15198,7 +15198,7 @@
                 <a16:creationId xmlns:a16="http://schemas.microsoft.com/office/drawing/2014/main" id="{8450EF29-A29A-9417-2B09-074C04064425}"/>
               </a:ext>
               <a:ext uri="{C183D7F6-B498-43B3-948B-1728B52AA6E4}">
-                <adec:decorative xmlns="" xmlns:adec="http://schemas.microsoft.com/office/drawing/2017/decorative" val="1"/>
+                <adec:decorative xmlns:adec="http://schemas.microsoft.com/office/drawing/2017/decorative" xmlns="" val="1"/>
               </a:ext>
             </a:extLst>
           </p:cNvPr>
@@ -15878,7 +15878,7 @@
                 <a16:creationId xmlns:a16="http://schemas.microsoft.com/office/drawing/2014/main" id="{8450EF29-A29A-9417-2B09-074C04064425}"/>
               </a:ext>
               <a:ext uri="{C183D7F6-B498-43B3-948B-1728B52AA6E4}">
-                <adec:decorative xmlns="" xmlns:adec="http://schemas.microsoft.com/office/drawing/2017/decorative" val="1"/>
+                <adec:decorative xmlns:adec="http://schemas.microsoft.com/office/drawing/2017/decorative" xmlns="" val="1"/>
               </a:ext>
             </a:extLst>
           </p:cNvPr>
@@ -16552,7 +16552,7 @@
                 <a16:creationId xmlns:a16="http://schemas.microsoft.com/office/drawing/2014/main" id="{5E8D3B17-7638-DFD3-18E4-8A6D611749CF}"/>
               </a:ext>
               <a:ext uri="{C183D7F6-B498-43B3-948B-1728B52AA6E4}">
-                <adec:decorative xmlns="" xmlns:adec="http://schemas.microsoft.com/office/drawing/2017/decorative" val="1"/>
+                <adec:decorative xmlns:adec="http://schemas.microsoft.com/office/drawing/2017/decorative" xmlns="" val="1"/>
               </a:ext>
             </a:extLst>
           </p:cNvPr>
@@ -16712,7 +16712,7 @@
                 <a16:creationId xmlns:a16="http://schemas.microsoft.com/office/drawing/2014/main" id="{5E8D3B17-7638-DFD3-18E4-8A6D611749CF}"/>
               </a:ext>
               <a:ext uri="{C183D7F6-B498-43B3-948B-1728B52AA6E4}">
-                <adec:decorative xmlns="" xmlns:adec="http://schemas.microsoft.com/office/drawing/2017/decorative" val="1"/>
+                <adec:decorative xmlns:adec="http://schemas.microsoft.com/office/drawing/2017/decorative" xmlns="" val="1"/>
               </a:ext>
             </a:extLst>
           </p:cNvPr>
@@ -16986,7 +16986,7 @@
                 <a16:creationId xmlns:a16="http://schemas.microsoft.com/office/drawing/2014/main" id="{5E8D3B17-7638-DFD3-18E4-8A6D611749CF}"/>
               </a:ext>
               <a:ext uri="{C183D7F6-B498-43B3-948B-1728B52AA6E4}">
-                <adec:decorative xmlns="" xmlns:adec="http://schemas.microsoft.com/office/drawing/2017/decorative" val="1"/>
+                <adec:decorative xmlns:adec="http://schemas.microsoft.com/office/drawing/2017/decorative" xmlns="" val="1"/>
               </a:ext>
             </a:extLst>
           </p:cNvPr>
@@ -17911,7 +17911,7 @@
                 <a16:creationId xmlns:a16="http://schemas.microsoft.com/office/drawing/2014/main" id="{5E8D3B17-7638-DFD3-18E4-8A6D611749CF}"/>
               </a:ext>
               <a:ext uri="{C183D7F6-B498-43B3-948B-1728B52AA6E4}">
-                <adec:decorative xmlns="" xmlns:adec="http://schemas.microsoft.com/office/drawing/2017/decorative" val="1"/>
+                <adec:decorative xmlns:adec="http://schemas.microsoft.com/office/drawing/2017/decorative" xmlns="" val="1"/>
               </a:ext>
             </a:extLst>
           </p:cNvPr>
@@ -18048,7 +18048,7 @@
             <p:ph sz="half" idx="2"/>
             <p:extLst>
               <p:ext uri="{E7BDC344-281C-4309-B0C6-D0EE65EED2A8}">
-                <p202:designPr xmlns="" xmlns:p202="http://schemas.microsoft.com/office/powerpoint/2020/02/main">
+                <p202:designPr xmlns:p202="http://schemas.microsoft.com/office/powerpoint/2020/02/main" xmlns="">
                   <p202:designTagLst>
                     <p202:designTag name="ARCH:1:CLS" val="InformationBlock"/>
                     <p202:designTag name="ARCH:1:VSVAR" val="TitledTextBox"/>
@@ -18274,7 +18274,7 @@
                 <a16:creationId xmlns:a16="http://schemas.microsoft.com/office/drawing/2014/main" id="{5E8D3B17-7638-DFD3-18E4-8A6D611749CF}"/>
               </a:ext>
               <a:ext uri="{C183D7F6-B498-43B3-948B-1728B52AA6E4}">
-                <adec:decorative xmlns="" xmlns:adec="http://schemas.microsoft.com/office/drawing/2017/decorative" val="1"/>
+                <adec:decorative xmlns:adec="http://schemas.microsoft.com/office/drawing/2017/decorative" xmlns="" val="1"/>
               </a:ext>
             </a:extLst>
           </p:cNvPr>
@@ -18401,7 +18401,7 @@
             <p:ph sz="half" idx="2"/>
             <p:extLst>
               <p:ext uri="{E7BDC344-281C-4309-B0C6-D0EE65EED2A8}">
-                <p202:designPr xmlns="" xmlns:p202="http://schemas.microsoft.com/office/powerpoint/2020/02/main">
+                <p202:designPr xmlns:p202="http://schemas.microsoft.com/office/powerpoint/2020/02/main" xmlns="">
                   <p202:designTagLst>
                     <p202:designTag name="ARCH:1:CLS" val="InformationBlock"/>
                     <p202:designTag name="ARCH:1:VSVAR" val="TitledTextBox"/>
@@ -18718,7 +18718,7 @@
                 <a16:creationId xmlns:a16="http://schemas.microsoft.com/office/drawing/2014/main" id="{E1D40FB4-97DC-F5FF-9E7A-C10E078A1532}"/>
               </a:ext>
               <a:ext uri="{C183D7F6-B498-43B3-948B-1728B52AA6E4}">
-                <adec:decorative xmlns="" xmlns:adec="http://schemas.microsoft.com/office/drawing/2017/decorative" val="1"/>
+                <adec:decorative xmlns:adec="http://schemas.microsoft.com/office/drawing/2017/decorative" xmlns="" val="1"/>
               </a:ext>
             </a:extLst>
           </p:cNvPr>
@@ -18848,7 +18848,7 @@
             <p:ph sz="half" idx="2"/>
             <p:extLst>
               <p:ext uri="{E7BDC344-281C-4309-B0C6-D0EE65EED2A8}">
-                <p202:designPr xmlns="" xmlns:p202="http://schemas.microsoft.com/office/powerpoint/2020/02/main">
+                <p202:designPr xmlns:p202="http://schemas.microsoft.com/office/powerpoint/2020/02/main" xmlns="">
                   <p202:designTagLst>
                     <p202:designTag name="ARCH:1:CLS" val="InformationBlock"/>
                     <p202:designTag name="ARCH:1:VSVAR" val="TitledTextBox"/>
@@ -19106,7 +19106,7 @@
                 <a16:creationId xmlns:a16="http://schemas.microsoft.com/office/drawing/2014/main" id="{A51D6A68-C3BD-3399-CCA8-A7290FC8E09C}"/>
               </a:ext>
               <a:ext uri="{C183D7F6-B498-43B3-948B-1728B52AA6E4}">
-                <adec:decorative xmlns="" xmlns:adec="http://schemas.microsoft.com/office/drawing/2017/decorative" val="1"/>
+                <adec:decorative xmlns:adec="http://schemas.microsoft.com/office/drawing/2017/decorative" xmlns="" val="1"/>
               </a:ext>
             </a:extLst>
           </p:cNvPr>
@@ -19234,7 +19234,7 @@
             <p:ph sz="half" idx="2"/>
             <p:extLst>
               <p:ext uri="{E7BDC344-281C-4309-B0C6-D0EE65EED2A8}">
-                <p202:designPr xmlns="" xmlns:p202="http://schemas.microsoft.com/office/powerpoint/2020/02/main">
+                <p202:designPr xmlns:p202="http://schemas.microsoft.com/office/powerpoint/2020/02/main" xmlns="">
                   <p202:designTagLst>
                     <p202:designTag name="ARCH:1:CLS" val="InformationBlock"/>
                     <p202:designTag name="ARCH:1:VSVAR" val="TitledTextBox"/>
@@ -19492,7 +19492,7 @@
                 <a16:creationId xmlns:a16="http://schemas.microsoft.com/office/drawing/2014/main" id="{7F39A533-5E9C-439F-5CF1-06FFAB778C1F}"/>
               </a:ext>
               <a:ext uri="{C183D7F6-B498-43B3-948B-1728B52AA6E4}">
-                <adec:decorative xmlns="" xmlns:adec="http://schemas.microsoft.com/office/drawing/2017/decorative" val="1"/>
+                <adec:decorative xmlns:adec="http://schemas.microsoft.com/office/drawing/2017/decorative" xmlns="" val="1"/>
               </a:ext>
             </a:extLst>
           </p:cNvPr>
@@ -19620,7 +19620,7 @@
             <p:ph sz="half" idx="2"/>
             <p:extLst>
               <p:ext uri="{E7BDC344-281C-4309-B0C6-D0EE65EED2A8}">
-                <p202:designPr xmlns="" xmlns:p202="http://schemas.microsoft.com/office/powerpoint/2020/02/main">
+                <p202:designPr xmlns:p202="http://schemas.microsoft.com/office/powerpoint/2020/02/main" xmlns="">
                   <p202:designTagLst>
                     <p202:designTag name="ARCH:1:CLS" val="InformationBlock"/>
                     <p202:designTag name="ARCH:1:VSVAR" val="TitledTextBox"/>
@@ -19893,7 +19893,7 @@
                 <a16:creationId xmlns:a16="http://schemas.microsoft.com/office/drawing/2014/main" id="{A82A2D76-411A-C189-4AD9-642686996848}"/>
               </a:ext>
               <a:ext uri="{C183D7F6-B498-43B3-948B-1728B52AA6E4}">
-                <adec:decorative xmlns="" xmlns:adec="http://schemas.microsoft.com/office/drawing/2017/decorative" val="1"/>
+                <adec:decorative xmlns:adec="http://schemas.microsoft.com/office/drawing/2017/decorative" xmlns="" val="1"/>
               </a:ext>
             </a:extLst>
           </p:cNvPr>
@@ -20021,7 +20021,7 @@
             <p:ph sz="half" idx="2"/>
             <p:extLst>
               <p:ext uri="{E7BDC344-281C-4309-B0C6-D0EE65EED2A8}">
-                <p202:designPr xmlns="" xmlns:p202="http://schemas.microsoft.com/office/powerpoint/2020/02/main">
+                <p202:designPr xmlns:p202="http://schemas.microsoft.com/office/powerpoint/2020/02/main" xmlns="">
                   <p202:designTagLst>
                     <p202:designTag name="ARCH:1:CLS" val="InformationBlock"/>
                     <p202:designTag name="ARCH:1:VSVAR" val="TitledTextBox"/>
@@ -20282,7 +20282,7 @@
                 <a16:creationId xmlns:a16="http://schemas.microsoft.com/office/drawing/2014/main" id="{E482AA53-DA69-E258-8B64-8F8CE86FCDD4}"/>
               </a:ext>
               <a:ext uri="{C183D7F6-B498-43B3-948B-1728B52AA6E4}">
-                <adec:decorative xmlns="" xmlns:adec="http://schemas.microsoft.com/office/drawing/2017/decorative" val="1"/>
+                <adec:decorative xmlns:adec="http://schemas.microsoft.com/office/drawing/2017/decorative" xmlns="" val="1"/>
               </a:ext>
             </a:extLst>
           </p:cNvPr>
@@ -20410,7 +20410,7 @@
             <p:ph sz="half" idx="2"/>
             <p:extLst>
               <p:ext uri="{E7BDC344-281C-4309-B0C6-D0EE65EED2A8}">
-                <p202:designPr xmlns="" xmlns:p202="http://schemas.microsoft.com/office/powerpoint/2020/02/main">
+                <p202:designPr xmlns:p202="http://schemas.microsoft.com/office/powerpoint/2020/02/main" xmlns="">
                   <p202:designTagLst>
                     <p202:designTag name="ARCH:1:CLS" val="InformationBlock"/>
                     <p202:designTag name="ARCH:1:VSVAR" val="TitledTextBox"/>
@@ -20686,7 +20686,7 @@
                 <a16:creationId xmlns:a16="http://schemas.microsoft.com/office/drawing/2014/main" id="{5C27E16A-554C-D4AC-900E-AA69DDAEDE03}"/>
               </a:ext>
               <a:ext uri="{C183D7F6-B498-43B3-948B-1728B52AA6E4}">
-                <adec:decorative xmlns="" xmlns:adec="http://schemas.microsoft.com/office/drawing/2017/decorative" val="1"/>
+                <adec:decorative xmlns:adec="http://schemas.microsoft.com/office/drawing/2017/decorative" xmlns="" val="1"/>
               </a:ext>
             </a:extLst>
           </p:cNvPr>
@@ -20814,7 +20814,7 @@
             <p:ph sz="half" idx="2"/>
             <p:extLst>
               <p:ext uri="{E7BDC344-281C-4309-B0C6-D0EE65EED2A8}">
-                <p202:designPr xmlns="" xmlns:p202="http://schemas.microsoft.com/office/powerpoint/2020/02/main">
+                <p202:designPr xmlns:p202="http://schemas.microsoft.com/office/powerpoint/2020/02/main" xmlns="">
                   <p202:designTagLst>
                     <p202:designTag name="ARCH:1:CLS" val="InformationBlock"/>
                     <p202:designTag name="ARCH:1:VSVAR" val="TitledTextBox"/>
